--- a/Разработка информационной системы для автовокзала.pptx
+++ b/Разработка информационной системы для автовокзала.pptx
@@ -173,7 +173,7 @@
           <a:noFill/>
           <a:extLst>
             <a:ext uri="{909E8E84-426E-40dd-AFC4-6F175D3DCCD1}">
-              <a14:hiddenFill xmlns:a14="http://schemas.microsoft.com/office/drawing/2010/main" xmlns="">
+              <a14:hiddenFill xmlns="" xmlns:a14="http://schemas.microsoft.com/office/drawing/2010/main">
                 <a:solidFill>
                   <a:srgbClr val="FFFFFF"/>
                 </a:solidFill>
@@ -233,7 +233,7 @@
             </a:ln>
             <a:extLst>
               <a:ext uri="{91240B29-F687-4f45-9708-019B960494DF}">
-                <a14:hiddenLine xmlns:a14="http://schemas.microsoft.com/office/drawing/2010/main" xmlns="" w="9525">
+                <a14:hiddenLine xmlns="" xmlns:a14="http://schemas.microsoft.com/office/drawing/2010/main" w="9525">
                   <a:solidFill>
                     <a:srgbClr val="000000"/>
                   </a:solidFill>
@@ -323,7 +323,7 @@
             </a:ln>
             <a:extLst>
               <a:ext uri="{91240B29-F687-4f45-9708-019B960494DF}">
-                <a14:hiddenLine xmlns:a14="http://schemas.microsoft.com/office/drawing/2010/main" xmlns="" w="9525">
+                <a14:hiddenLine xmlns="" xmlns:a14="http://schemas.microsoft.com/office/drawing/2010/main" w="9525">
                   <a:solidFill>
                     <a:srgbClr val="000000"/>
                   </a:solidFill>
@@ -413,7 +413,7 @@
             </a:ln>
             <a:extLst>
               <a:ext uri="{91240B29-F687-4f45-9708-019B960494DF}">
-                <a14:hiddenLine xmlns:a14="http://schemas.microsoft.com/office/drawing/2010/main" xmlns="" w="9525">
+                <a14:hiddenLine xmlns="" xmlns:a14="http://schemas.microsoft.com/office/drawing/2010/main" w="9525">
                   <a:solidFill>
                     <a:srgbClr val="000000"/>
                   </a:solidFill>
@@ -447,7 +447,7 @@
             </a:ln>
             <a:extLst>
               <a:ext uri="{91240B29-F687-4f45-9708-019B960494DF}">
-                <a14:hiddenLine xmlns:a14="http://schemas.microsoft.com/office/drawing/2010/main" xmlns="" w="9525">
+                <a14:hiddenLine xmlns="" xmlns:a14="http://schemas.microsoft.com/office/drawing/2010/main" w="9525">
                   <a:solidFill>
                     <a:srgbClr val="000000"/>
                   </a:solidFill>
@@ -537,7 +537,7 @@
             </a:ln>
             <a:extLst>
               <a:ext uri="{91240B29-F687-4f45-9708-019B960494DF}">
-                <a14:hiddenLine xmlns:a14="http://schemas.microsoft.com/office/drawing/2010/main" xmlns="" w="9525">
+                <a14:hiddenLine xmlns="" xmlns:a14="http://schemas.microsoft.com/office/drawing/2010/main" w="9525">
                   <a:solidFill>
                     <a:srgbClr val="000000"/>
                   </a:solidFill>
@@ -599,7 +599,7 @@
             </a:ln>
             <a:extLst>
               <a:ext uri="{91240B29-F687-4f45-9708-019B960494DF}">
-                <a14:hiddenLine xmlns:a14="http://schemas.microsoft.com/office/drawing/2010/main" xmlns="" w="9525">
+                <a14:hiddenLine xmlns="" xmlns:a14="http://schemas.microsoft.com/office/drawing/2010/main" w="9525">
                   <a:solidFill>
                     <a:srgbClr val="000000"/>
                   </a:solidFill>
@@ -661,7 +661,7 @@
             </a:ln>
             <a:extLst>
               <a:ext uri="{91240B29-F687-4f45-9708-019B960494DF}">
-                <a14:hiddenLine xmlns:a14="http://schemas.microsoft.com/office/drawing/2010/main" xmlns="" w="9525">
+                <a14:hiddenLine xmlns="" xmlns:a14="http://schemas.microsoft.com/office/drawing/2010/main" w="9525">
                   <a:solidFill>
                     <a:srgbClr val="000000"/>
                   </a:solidFill>
@@ -751,7 +751,7 @@
             </a:ln>
             <a:extLst>
               <a:ext uri="{91240B29-F687-4f45-9708-019B960494DF}">
-                <a14:hiddenLine xmlns:a14="http://schemas.microsoft.com/office/drawing/2010/main" xmlns="" w="9525">
+                <a14:hiddenLine xmlns="" xmlns:a14="http://schemas.microsoft.com/office/drawing/2010/main" w="9525">
                   <a:solidFill>
                     <a:srgbClr val="000000"/>
                   </a:solidFill>
@@ -813,7 +813,7 @@
             </a:ln>
             <a:extLst>
               <a:ext uri="{91240B29-F687-4f45-9708-019B960494DF}">
-                <a14:hiddenLine xmlns:a14="http://schemas.microsoft.com/office/drawing/2010/main" xmlns="" w="9525">
+                <a14:hiddenLine xmlns="" xmlns:a14="http://schemas.microsoft.com/office/drawing/2010/main" w="9525">
                   <a:solidFill>
                     <a:srgbClr val="000000"/>
                   </a:solidFill>
@@ -875,7 +875,7 @@
             </a:ln>
             <a:extLst>
               <a:ext uri="{91240B29-F687-4f45-9708-019B960494DF}">
-                <a14:hiddenLine xmlns:a14="http://schemas.microsoft.com/office/drawing/2010/main" xmlns="" w="9525">
+                <a14:hiddenLine xmlns="" xmlns:a14="http://schemas.microsoft.com/office/drawing/2010/main" w="9525">
                   <a:solidFill>
                     <a:srgbClr val="000000"/>
                   </a:solidFill>
@@ -965,7 +965,7 @@
             </a:ln>
             <a:extLst>
               <a:ext uri="{91240B29-F687-4f45-9708-019B960494DF}">
-                <a14:hiddenLine xmlns:a14="http://schemas.microsoft.com/office/drawing/2010/main" xmlns="" w="9525">
+                <a14:hiddenLine xmlns="" xmlns:a14="http://schemas.microsoft.com/office/drawing/2010/main" w="9525">
                   <a:solidFill>
                     <a:srgbClr val="000000"/>
                   </a:solidFill>
@@ -1055,7 +1055,7 @@
             </a:ln>
             <a:extLst>
               <a:ext uri="{91240B29-F687-4f45-9708-019B960494DF}">
-                <a14:hiddenLine xmlns:a14="http://schemas.microsoft.com/office/drawing/2010/main" xmlns="" w="9525">
+                <a14:hiddenLine xmlns="" xmlns:a14="http://schemas.microsoft.com/office/drawing/2010/main" w="9525">
                   <a:solidFill>
                     <a:srgbClr val="000000"/>
                   </a:solidFill>
@@ -1117,7 +1117,7 @@
             </a:ln>
             <a:extLst>
               <a:ext uri="{91240B29-F687-4f45-9708-019B960494DF}">
-                <a14:hiddenLine xmlns:a14="http://schemas.microsoft.com/office/drawing/2010/main" xmlns="" w="9525">
+                <a14:hiddenLine xmlns="" xmlns:a14="http://schemas.microsoft.com/office/drawing/2010/main" w="9525">
                   <a:solidFill>
                     <a:srgbClr val="000000"/>
                   </a:solidFill>
@@ -1227,7 +1227,7 @@
             </a:ln>
             <a:extLst>
               <a:ext uri="{91240B29-F687-4f45-9708-019B960494DF}">
-                <a14:hiddenLine xmlns:a14="http://schemas.microsoft.com/office/drawing/2010/main" xmlns="" w="9525">
+                <a14:hiddenLine xmlns="" xmlns:a14="http://schemas.microsoft.com/office/drawing/2010/main" w="9525">
                   <a:solidFill>
                     <a:srgbClr val="000000"/>
                   </a:solidFill>
@@ -1289,7 +1289,7 @@
             </a:ln>
             <a:extLst>
               <a:ext uri="{91240B29-F687-4f45-9708-019B960494DF}">
-                <a14:hiddenLine xmlns:a14="http://schemas.microsoft.com/office/drawing/2010/main" xmlns="" w="9525">
+                <a14:hiddenLine xmlns="" xmlns:a14="http://schemas.microsoft.com/office/drawing/2010/main" w="9525">
                   <a:solidFill>
                     <a:srgbClr val="000000"/>
                   </a:solidFill>
@@ -1379,7 +1379,7 @@
             </a:ln>
             <a:extLst>
               <a:ext uri="{91240B29-F687-4f45-9708-019B960494DF}">
-                <a14:hiddenLine xmlns:a14="http://schemas.microsoft.com/office/drawing/2010/main" xmlns="" w="9525">
+                <a14:hiddenLine xmlns="" xmlns:a14="http://schemas.microsoft.com/office/drawing/2010/main" w="9525">
                   <a:solidFill>
                     <a:srgbClr val="000000"/>
                   </a:solidFill>
@@ -1469,7 +1469,7 @@
             </a:ln>
             <a:extLst>
               <a:ext uri="{91240B29-F687-4f45-9708-019B960494DF}">
-                <a14:hiddenLine xmlns:a14="http://schemas.microsoft.com/office/drawing/2010/main" xmlns="" w="9525">
+                <a14:hiddenLine xmlns="" xmlns:a14="http://schemas.microsoft.com/office/drawing/2010/main" w="9525">
                   <a:solidFill>
                     <a:srgbClr val="000000"/>
                   </a:solidFill>
@@ -1531,7 +1531,7 @@
             </a:ln>
             <a:extLst>
               <a:ext uri="{91240B29-F687-4f45-9708-019B960494DF}">
-                <a14:hiddenLine xmlns:a14="http://schemas.microsoft.com/office/drawing/2010/main" xmlns="" w="9525">
+                <a14:hiddenLine xmlns="" xmlns:a14="http://schemas.microsoft.com/office/drawing/2010/main" w="9525">
                   <a:solidFill>
                     <a:srgbClr val="000000"/>
                   </a:solidFill>
@@ -1621,7 +1621,7 @@
             </a:ln>
             <a:extLst>
               <a:ext uri="{91240B29-F687-4f45-9708-019B960494DF}">
-                <a14:hiddenLine xmlns:a14="http://schemas.microsoft.com/office/drawing/2010/main" xmlns="" w="9525">
+                <a14:hiddenLine xmlns="" xmlns:a14="http://schemas.microsoft.com/office/drawing/2010/main" w="9525">
                   <a:solidFill>
                     <a:srgbClr val="000000"/>
                   </a:solidFill>
@@ -1711,7 +1711,7 @@
             </a:ln>
             <a:extLst>
               <a:ext uri="{91240B29-F687-4f45-9708-019B960494DF}">
-                <a14:hiddenLine xmlns:a14="http://schemas.microsoft.com/office/drawing/2010/main" xmlns="" w="9525">
+                <a14:hiddenLine xmlns="" xmlns:a14="http://schemas.microsoft.com/office/drawing/2010/main" w="9525">
                   <a:solidFill>
                     <a:srgbClr val="000000"/>
                   </a:solidFill>
@@ -1767,7 +1767,7 @@
             </a:ln>
             <a:extLst>
               <a:ext uri="{91240B29-F687-4f45-9708-019B960494DF}">
-                <a14:hiddenLine xmlns:a14="http://schemas.microsoft.com/office/drawing/2010/main" xmlns="" w="9525">
+                <a14:hiddenLine xmlns="" xmlns:a14="http://schemas.microsoft.com/office/drawing/2010/main" w="9525">
                   <a:solidFill>
                     <a:srgbClr val="000000"/>
                   </a:solidFill>
@@ -1857,7 +1857,7 @@
             </a:ln>
             <a:extLst>
               <a:ext uri="{91240B29-F687-4f45-9708-019B960494DF}">
-                <a14:hiddenLine xmlns:a14="http://schemas.microsoft.com/office/drawing/2010/main" xmlns="" w="9525">
+                <a14:hiddenLine xmlns="" xmlns:a14="http://schemas.microsoft.com/office/drawing/2010/main" w="9525">
                   <a:solidFill>
                     <a:srgbClr val="000000"/>
                   </a:solidFill>
@@ -1913,7 +1913,7 @@
             </a:ln>
             <a:extLst>
               <a:ext uri="{91240B29-F687-4f45-9708-019B960494DF}">
-                <a14:hiddenLine xmlns:a14="http://schemas.microsoft.com/office/drawing/2010/main" xmlns="" w="9525">
+                <a14:hiddenLine xmlns="" xmlns:a14="http://schemas.microsoft.com/office/drawing/2010/main" w="9525">
                   <a:solidFill>
                     <a:srgbClr val="000000"/>
                   </a:solidFill>
@@ -2003,7 +2003,7 @@
             </a:ln>
             <a:extLst>
               <a:ext uri="{91240B29-F687-4f45-9708-019B960494DF}">
-                <a14:hiddenLine xmlns:a14="http://schemas.microsoft.com/office/drawing/2010/main" xmlns="" w="9525">
+                <a14:hiddenLine xmlns="" xmlns:a14="http://schemas.microsoft.com/office/drawing/2010/main" w="9525">
                   <a:solidFill>
                     <a:srgbClr val="000000"/>
                   </a:solidFill>
@@ -2071,7 +2071,7 @@
             </a:ln>
             <a:extLst>
               <a:ext uri="{91240B29-F687-4f45-9708-019B960494DF}">
-                <a14:hiddenLine xmlns:a14="http://schemas.microsoft.com/office/drawing/2010/main" xmlns="" w="9525">
+                <a14:hiddenLine xmlns="" xmlns:a14="http://schemas.microsoft.com/office/drawing/2010/main" w="9525">
                   <a:solidFill>
                     <a:srgbClr val="000000"/>
                   </a:solidFill>
@@ -2161,7 +2161,7 @@
             </a:ln>
             <a:extLst>
               <a:ext uri="{91240B29-F687-4f45-9708-019B960494DF}">
-                <a14:hiddenLine xmlns:a14="http://schemas.microsoft.com/office/drawing/2010/main" xmlns="" w="9525">
+                <a14:hiddenLine xmlns="" xmlns:a14="http://schemas.microsoft.com/office/drawing/2010/main" w="9525">
                   <a:solidFill>
                     <a:srgbClr val="000000"/>
                   </a:solidFill>
@@ -2229,7 +2229,7 @@
             </a:ln>
             <a:extLst>
               <a:ext uri="{91240B29-F687-4f45-9708-019B960494DF}">
-                <a14:hiddenLine xmlns:a14="http://schemas.microsoft.com/office/drawing/2010/main" xmlns="" w="9525">
+                <a14:hiddenLine xmlns="" xmlns:a14="http://schemas.microsoft.com/office/drawing/2010/main" w="9525">
                   <a:solidFill>
                     <a:srgbClr val="000000"/>
                   </a:solidFill>
@@ -2319,7 +2319,7 @@
             </a:ln>
             <a:extLst>
               <a:ext uri="{91240B29-F687-4f45-9708-019B960494DF}">
-                <a14:hiddenLine xmlns:a14="http://schemas.microsoft.com/office/drawing/2010/main" xmlns="" w="9525">
+                <a14:hiddenLine xmlns="" xmlns:a14="http://schemas.microsoft.com/office/drawing/2010/main" w="9525">
                   <a:solidFill>
                     <a:srgbClr val="000000"/>
                   </a:solidFill>
@@ -2353,7 +2353,7 @@
             </a:ln>
             <a:extLst>
               <a:ext uri="{91240B29-F687-4f45-9708-019B960494DF}">
-                <a14:hiddenLine xmlns:a14="http://schemas.microsoft.com/office/drawing/2010/main" xmlns="" w="9525">
+                <a14:hiddenLine xmlns="" xmlns:a14="http://schemas.microsoft.com/office/drawing/2010/main" w="9525">
                   <a:solidFill>
                     <a:srgbClr val="000000"/>
                   </a:solidFill>
@@ -2443,7 +2443,7 @@
             </a:ln>
             <a:extLst>
               <a:ext uri="{91240B29-F687-4f45-9708-019B960494DF}">
-                <a14:hiddenLine xmlns:a14="http://schemas.microsoft.com/office/drawing/2010/main" xmlns="" w="9525">
+                <a14:hiddenLine xmlns="" xmlns:a14="http://schemas.microsoft.com/office/drawing/2010/main" w="9525">
                   <a:solidFill>
                     <a:srgbClr val="000000"/>
                   </a:solidFill>
@@ -2505,7 +2505,7 @@
             </a:ln>
             <a:extLst>
               <a:ext uri="{91240B29-F687-4f45-9708-019B960494DF}">
-                <a14:hiddenLine xmlns:a14="http://schemas.microsoft.com/office/drawing/2010/main" xmlns="" w="9525">
+                <a14:hiddenLine xmlns="" xmlns:a14="http://schemas.microsoft.com/office/drawing/2010/main" w="9525">
                   <a:solidFill>
                     <a:srgbClr val="000000"/>
                   </a:solidFill>
@@ -2567,7 +2567,7 @@
             </a:ln>
             <a:extLst>
               <a:ext uri="{91240B29-F687-4f45-9708-019B960494DF}">
-                <a14:hiddenLine xmlns:a14="http://schemas.microsoft.com/office/drawing/2010/main" xmlns="" w="9525">
+                <a14:hiddenLine xmlns="" xmlns:a14="http://schemas.microsoft.com/office/drawing/2010/main" w="9525">
                   <a:solidFill>
                     <a:srgbClr val="000000"/>
                   </a:solidFill>
@@ -2657,7 +2657,7 @@
             </a:ln>
             <a:extLst>
               <a:ext uri="{91240B29-F687-4f45-9708-019B960494DF}">
-                <a14:hiddenLine xmlns:a14="http://schemas.microsoft.com/office/drawing/2010/main" xmlns="" w="9525">
+                <a14:hiddenLine xmlns="" xmlns:a14="http://schemas.microsoft.com/office/drawing/2010/main" w="9525">
                   <a:solidFill>
                     <a:srgbClr val="000000"/>
                   </a:solidFill>
@@ -2725,7 +2725,7 @@
             </a:ln>
             <a:extLst>
               <a:ext uri="{91240B29-F687-4f45-9708-019B960494DF}">
-                <a14:hiddenLine xmlns:a14="http://schemas.microsoft.com/office/drawing/2010/main" xmlns="" w="9525">
+                <a14:hiddenLine xmlns="" xmlns:a14="http://schemas.microsoft.com/office/drawing/2010/main" w="9525">
                   <a:solidFill>
                     <a:srgbClr val="000000"/>
                   </a:solidFill>
@@ -2787,7 +2787,7 @@
             </a:ln>
             <a:extLst>
               <a:ext uri="{91240B29-F687-4f45-9708-019B960494DF}">
-                <a14:hiddenLine xmlns:a14="http://schemas.microsoft.com/office/drawing/2010/main" xmlns="" w="9525">
+                <a14:hiddenLine xmlns="" xmlns:a14="http://schemas.microsoft.com/office/drawing/2010/main" w="9525">
                   <a:solidFill>
                     <a:srgbClr val="000000"/>
                   </a:solidFill>
@@ -2877,7 +2877,7 @@
             </a:ln>
             <a:extLst>
               <a:ext uri="{91240B29-F687-4f45-9708-019B960494DF}">
-                <a14:hiddenLine xmlns:a14="http://schemas.microsoft.com/office/drawing/2010/main" xmlns="" w="9525">
+                <a14:hiddenLine xmlns="" xmlns:a14="http://schemas.microsoft.com/office/drawing/2010/main" w="9525">
                   <a:solidFill>
                     <a:srgbClr val="000000"/>
                   </a:solidFill>
@@ -2939,7 +2939,7 @@
             </a:ln>
             <a:extLst>
               <a:ext uri="{91240B29-F687-4f45-9708-019B960494DF}">
-                <a14:hiddenLine xmlns:a14="http://schemas.microsoft.com/office/drawing/2010/main" xmlns="" w="9525">
+                <a14:hiddenLine xmlns="" xmlns:a14="http://schemas.microsoft.com/office/drawing/2010/main" w="9525">
                   <a:solidFill>
                     <a:srgbClr val="000000"/>
                   </a:solidFill>
@@ -3029,7 +3029,7 @@
             </a:ln>
             <a:extLst>
               <a:ext uri="{91240B29-F687-4f45-9708-019B960494DF}">
-                <a14:hiddenLine xmlns:a14="http://schemas.microsoft.com/office/drawing/2010/main" xmlns="" w="9525">
+                <a14:hiddenLine xmlns="" xmlns:a14="http://schemas.microsoft.com/office/drawing/2010/main" w="9525">
                   <a:solidFill>
                     <a:srgbClr val="000000"/>
                   </a:solidFill>
@@ -3091,7 +3091,7 @@
             </a:ln>
             <a:extLst>
               <a:ext uri="{91240B29-F687-4f45-9708-019B960494DF}">
-                <a14:hiddenLine xmlns:a14="http://schemas.microsoft.com/office/drawing/2010/main" xmlns="" w="9525">
+                <a14:hiddenLine xmlns="" xmlns:a14="http://schemas.microsoft.com/office/drawing/2010/main" w="9525">
                   <a:solidFill>
                     <a:srgbClr val="000000"/>
                   </a:solidFill>
@@ -3181,7 +3181,7 @@
             </a:ln>
             <a:extLst>
               <a:ext uri="{91240B29-F687-4f45-9708-019B960494DF}">
-                <a14:hiddenLine xmlns:a14="http://schemas.microsoft.com/office/drawing/2010/main" xmlns="" w="9525">
+                <a14:hiddenLine xmlns="" xmlns:a14="http://schemas.microsoft.com/office/drawing/2010/main" w="9525">
                   <a:solidFill>
                     <a:srgbClr val="000000"/>
                   </a:solidFill>
@@ -3215,7 +3215,7 @@
             </a:ln>
             <a:extLst>
               <a:ext uri="{91240B29-F687-4f45-9708-019B960494DF}">
-                <a14:hiddenLine xmlns:a14="http://schemas.microsoft.com/office/drawing/2010/main" xmlns="" w="9525">
+                <a14:hiddenLine xmlns="" xmlns:a14="http://schemas.microsoft.com/office/drawing/2010/main" w="9525">
                   <a:solidFill>
                     <a:srgbClr val="000000"/>
                   </a:solidFill>
@@ -3280,7 +3280,7 @@
             </a:ln>
             <a:extLst>
               <a:ext uri="{91240B29-F687-4f45-9708-019B960494DF}">
-                <a14:hiddenLine xmlns:a14="http://schemas.microsoft.com/office/drawing/2010/main" xmlns="" w="9525">
+                <a14:hiddenLine xmlns="" xmlns:a14="http://schemas.microsoft.com/office/drawing/2010/main" w="9525">
                   <a:solidFill>
                     <a:srgbClr val="000000"/>
                   </a:solidFill>
@@ -3370,7 +3370,7 @@
             </a:ln>
             <a:extLst>
               <a:ext uri="{91240B29-F687-4f45-9708-019B960494DF}">
-                <a14:hiddenLine xmlns:a14="http://schemas.microsoft.com/office/drawing/2010/main" xmlns="" w="9525">
+                <a14:hiddenLine xmlns="" xmlns:a14="http://schemas.microsoft.com/office/drawing/2010/main" w="9525">
                   <a:solidFill>
                     <a:srgbClr val="000000"/>
                   </a:solidFill>
@@ -3432,7 +3432,7 @@
             </a:ln>
             <a:extLst>
               <a:ext uri="{91240B29-F687-4f45-9708-019B960494DF}">
-                <a14:hiddenLine xmlns:a14="http://schemas.microsoft.com/office/drawing/2010/main" xmlns="" w="9525">
+                <a14:hiddenLine xmlns="" xmlns:a14="http://schemas.microsoft.com/office/drawing/2010/main" w="9525">
                   <a:solidFill>
                     <a:srgbClr val="000000"/>
                   </a:solidFill>
@@ -3522,7 +3522,7 @@
             </a:ln>
             <a:extLst>
               <a:ext uri="{91240B29-F687-4f45-9708-019B960494DF}">
-                <a14:hiddenLine xmlns:a14="http://schemas.microsoft.com/office/drawing/2010/main" xmlns="" w="9525">
+                <a14:hiddenLine xmlns="" xmlns:a14="http://schemas.microsoft.com/office/drawing/2010/main" w="9525">
                   <a:solidFill>
                     <a:srgbClr val="000000"/>
                   </a:solidFill>
@@ -3612,7 +3612,7 @@
             </a:ln>
             <a:extLst>
               <a:ext uri="{91240B29-F687-4f45-9708-019B960494DF}">
-                <a14:hiddenLine xmlns:a14="http://schemas.microsoft.com/office/drawing/2010/main" xmlns="" w="9525">
+                <a14:hiddenLine xmlns="" xmlns:a14="http://schemas.microsoft.com/office/drawing/2010/main" w="9525">
                   <a:solidFill>
                     <a:srgbClr val="000000"/>
                   </a:solidFill>
@@ -3677,7 +3677,7 @@
             </a:ln>
             <a:extLst>
               <a:ext uri="{91240B29-F687-4f45-9708-019B960494DF}">
-                <a14:hiddenLine xmlns:a14="http://schemas.microsoft.com/office/drawing/2010/main" xmlns="" w="9525">
+                <a14:hiddenLine xmlns="" xmlns:a14="http://schemas.microsoft.com/office/drawing/2010/main" w="9525">
                   <a:solidFill>
                     <a:srgbClr val="000000"/>
                   </a:solidFill>
@@ -3739,7 +3739,7 @@
             </a:ln>
             <a:extLst>
               <a:ext uri="{91240B29-F687-4f45-9708-019B960494DF}">
-                <a14:hiddenLine xmlns:a14="http://schemas.microsoft.com/office/drawing/2010/main" xmlns="" w="9525">
+                <a14:hiddenLine xmlns="" xmlns:a14="http://schemas.microsoft.com/office/drawing/2010/main" w="9525">
                   <a:solidFill>
                     <a:srgbClr val="000000"/>
                   </a:solidFill>
@@ -3829,7 +3829,7 @@
             </a:ln>
             <a:extLst>
               <a:ext uri="{91240B29-F687-4f45-9708-019B960494DF}">
-                <a14:hiddenLine xmlns:a14="http://schemas.microsoft.com/office/drawing/2010/main" xmlns="" w="9525">
+                <a14:hiddenLine xmlns="" xmlns:a14="http://schemas.microsoft.com/office/drawing/2010/main" w="9525">
                   <a:solidFill>
                     <a:srgbClr val="000000"/>
                   </a:solidFill>
@@ -3919,7 +3919,7 @@
             </a:ln>
             <a:extLst>
               <a:ext uri="{91240B29-F687-4f45-9708-019B960494DF}">
-                <a14:hiddenLine xmlns:a14="http://schemas.microsoft.com/office/drawing/2010/main" xmlns="" w="9525">
+                <a14:hiddenLine xmlns="" xmlns:a14="http://schemas.microsoft.com/office/drawing/2010/main" w="9525">
                   <a:solidFill>
                     <a:srgbClr val="000000"/>
                   </a:solidFill>
@@ -3981,7 +3981,7 @@
             </a:ln>
             <a:extLst>
               <a:ext uri="{91240B29-F687-4f45-9708-019B960494DF}">
-                <a14:hiddenLine xmlns:a14="http://schemas.microsoft.com/office/drawing/2010/main" xmlns="" w="9525">
+                <a14:hiddenLine xmlns="" xmlns:a14="http://schemas.microsoft.com/office/drawing/2010/main" w="9525">
                   <a:solidFill>
                     <a:srgbClr val="000000"/>
                   </a:solidFill>
@@ -4101,7 +4101,7 @@
             </a:ln>
             <a:extLst>
               <a:ext uri="{91240B29-F687-4f45-9708-019B960494DF}">
-                <a14:hiddenLine xmlns:a14="http://schemas.microsoft.com/office/drawing/2010/main" xmlns="" w="9525">
+                <a14:hiddenLine xmlns="" xmlns:a14="http://schemas.microsoft.com/office/drawing/2010/main" w="9525">
                   <a:solidFill>
                     <a:srgbClr val="000000"/>
                   </a:solidFill>
@@ -4169,7 +4169,7 @@
             </a:ln>
             <a:extLst>
               <a:ext uri="{91240B29-F687-4f45-9708-019B960494DF}">
-                <a14:hiddenLine xmlns:a14="http://schemas.microsoft.com/office/drawing/2010/main" xmlns="" w="9525">
+                <a14:hiddenLine xmlns="" xmlns:a14="http://schemas.microsoft.com/office/drawing/2010/main" w="9525">
                   <a:solidFill>
                     <a:srgbClr val="000000"/>
                   </a:solidFill>
@@ -4259,7 +4259,7 @@
             </a:ln>
             <a:extLst>
               <a:ext uri="{91240B29-F687-4f45-9708-019B960494DF}">
-                <a14:hiddenLine xmlns:a14="http://schemas.microsoft.com/office/drawing/2010/main" xmlns="" w="9525">
+                <a14:hiddenLine xmlns="" xmlns:a14="http://schemas.microsoft.com/office/drawing/2010/main" w="9525">
                   <a:solidFill>
                     <a:srgbClr val="000000"/>
                   </a:solidFill>
@@ -9197,7 +9197,7 @@
           <a:noFill/>
           <a:extLst>
             <a:ext uri="{909E8E84-426E-40dd-AFC4-6F175D3DCCD1}">
-              <a14:hiddenFill xmlns:a14="http://schemas.microsoft.com/office/drawing/2010/main" xmlns="">
+              <a14:hiddenFill xmlns="" xmlns:a14="http://schemas.microsoft.com/office/drawing/2010/main">
                 <a:solidFill>
                   <a:srgbClr val="FFFFFF"/>
                 </a:solidFill>
@@ -9271,7 +9271,7 @@
               </a:ln>
               <a:extLst>
                 <a:ext uri="{91240B29-F687-4f45-9708-019B960494DF}">
-                  <a14:hiddenLine xmlns:a14="http://schemas.microsoft.com/office/drawing/2010/main" xmlns="" w="9525">
+                  <a14:hiddenLine xmlns="" xmlns:a14="http://schemas.microsoft.com/office/drawing/2010/main" w="9525">
                     <a:solidFill>
                       <a:srgbClr val="000000"/>
                     </a:solidFill>
@@ -9361,7 +9361,7 @@
               </a:ln>
               <a:extLst>
                 <a:ext uri="{91240B29-F687-4f45-9708-019B960494DF}">
-                  <a14:hiddenLine xmlns:a14="http://schemas.microsoft.com/office/drawing/2010/main" xmlns="" w="9525">
+                  <a14:hiddenLine xmlns="" xmlns:a14="http://schemas.microsoft.com/office/drawing/2010/main" w="9525">
                     <a:solidFill>
                       <a:srgbClr val="000000"/>
                     </a:solidFill>
@@ -9451,7 +9451,7 @@
               </a:ln>
               <a:extLst>
                 <a:ext uri="{91240B29-F687-4f45-9708-019B960494DF}">
-                  <a14:hiddenLine xmlns:a14="http://schemas.microsoft.com/office/drawing/2010/main" xmlns="" w="9525">
+                  <a14:hiddenLine xmlns="" xmlns:a14="http://schemas.microsoft.com/office/drawing/2010/main" w="9525">
                     <a:solidFill>
                       <a:srgbClr val="000000"/>
                     </a:solidFill>
@@ -9513,7 +9513,7 @@
               </a:ln>
               <a:extLst>
                 <a:ext uri="{91240B29-F687-4f45-9708-019B960494DF}">
-                  <a14:hiddenLine xmlns:a14="http://schemas.microsoft.com/office/drawing/2010/main" xmlns="" w="9525">
+                  <a14:hiddenLine xmlns="" xmlns:a14="http://schemas.microsoft.com/office/drawing/2010/main" w="9525">
                     <a:solidFill>
                       <a:srgbClr val="000000"/>
                     </a:solidFill>
@@ -9603,7 +9603,7 @@
               </a:ln>
               <a:extLst>
                 <a:ext uri="{91240B29-F687-4f45-9708-019B960494DF}">
-                  <a14:hiddenLine xmlns:a14="http://schemas.microsoft.com/office/drawing/2010/main" xmlns="" w="9525">
+                  <a14:hiddenLine xmlns="" xmlns:a14="http://schemas.microsoft.com/office/drawing/2010/main" w="9525">
                     <a:solidFill>
                       <a:srgbClr val="000000"/>
                     </a:solidFill>
@@ -9665,7 +9665,7 @@
               </a:ln>
               <a:extLst>
                 <a:ext uri="{91240B29-F687-4f45-9708-019B960494DF}">
-                  <a14:hiddenLine xmlns:a14="http://schemas.microsoft.com/office/drawing/2010/main" xmlns="" w="9525">
+                  <a14:hiddenLine xmlns="" xmlns:a14="http://schemas.microsoft.com/office/drawing/2010/main" w="9525">
                     <a:solidFill>
                       <a:srgbClr val="000000"/>
                     </a:solidFill>
@@ -9727,7 +9727,7 @@
               </a:ln>
               <a:extLst>
                 <a:ext uri="{91240B29-F687-4f45-9708-019B960494DF}">
-                  <a14:hiddenLine xmlns:a14="http://schemas.microsoft.com/office/drawing/2010/main" xmlns="" w="9525">
+                  <a14:hiddenLine xmlns="" xmlns:a14="http://schemas.microsoft.com/office/drawing/2010/main" w="9525">
                     <a:solidFill>
                       <a:srgbClr val="000000"/>
                     </a:solidFill>
@@ -9817,7 +9817,7 @@
               </a:ln>
               <a:extLst>
                 <a:ext uri="{91240B29-F687-4f45-9708-019B960494DF}">
-                  <a14:hiddenLine xmlns:a14="http://schemas.microsoft.com/office/drawing/2010/main" xmlns="" w="9525">
+                  <a14:hiddenLine xmlns="" xmlns:a14="http://schemas.microsoft.com/office/drawing/2010/main" w="9525">
                     <a:solidFill>
                       <a:srgbClr val="000000"/>
                     </a:solidFill>
@@ -9907,7 +9907,7 @@
               </a:ln>
               <a:extLst>
                 <a:ext uri="{91240B29-F687-4f45-9708-019B960494DF}">
-                  <a14:hiddenLine xmlns:a14="http://schemas.microsoft.com/office/drawing/2010/main" xmlns="" w="9525">
+                  <a14:hiddenLine xmlns="" xmlns:a14="http://schemas.microsoft.com/office/drawing/2010/main" w="9525">
                     <a:solidFill>
                       <a:srgbClr val="000000"/>
                     </a:solidFill>
@@ -9969,7 +9969,7 @@
               </a:ln>
               <a:extLst>
                 <a:ext uri="{91240B29-F687-4f45-9708-019B960494DF}">
-                  <a14:hiddenLine xmlns:a14="http://schemas.microsoft.com/office/drawing/2010/main" xmlns="" w="9525">
+                  <a14:hiddenLine xmlns="" xmlns:a14="http://schemas.microsoft.com/office/drawing/2010/main" w="9525">
                     <a:solidFill>
                       <a:srgbClr val="000000"/>
                     </a:solidFill>
@@ -10079,7 +10079,7 @@
               </a:ln>
               <a:extLst>
                 <a:ext uri="{91240B29-F687-4f45-9708-019B960494DF}">
-                  <a14:hiddenLine xmlns:a14="http://schemas.microsoft.com/office/drawing/2010/main" xmlns="" w="9525">
+                  <a14:hiddenLine xmlns="" xmlns:a14="http://schemas.microsoft.com/office/drawing/2010/main" w="9525">
                     <a:solidFill>
                       <a:srgbClr val="000000"/>
                     </a:solidFill>
@@ -10163,7 +10163,7 @@
               </a:ln>
               <a:extLst>
                 <a:ext uri="{91240B29-F687-4f45-9708-019B960494DF}">
-                  <a14:hiddenLine xmlns:a14="http://schemas.microsoft.com/office/drawing/2010/main" xmlns="" w="9525">
+                  <a14:hiddenLine xmlns="" xmlns:a14="http://schemas.microsoft.com/office/drawing/2010/main" w="9525">
                     <a:solidFill>
                       <a:srgbClr val="000000"/>
                     </a:solidFill>
@@ -10225,7 +10225,7 @@
               </a:ln>
               <a:extLst>
                 <a:ext uri="{91240B29-F687-4f45-9708-019B960494DF}">
-                  <a14:hiddenLine xmlns:a14="http://schemas.microsoft.com/office/drawing/2010/main" xmlns="" w="9525">
+                  <a14:hiddenLine xmlns="" xmlns:a14="http://schemas.microsoft.com/office/drawing/2010/main" w="9525">
                     <a:solidFill>
                       <a:srgbClr val="000000"/>
                     </a:solidFill>
@@ -10287,7 +10287,7 @@
               </a:ln>
               <a:extLst>
                 <a:ext uri="{91240B29-F687-4f45-9708-019B960494DF}">
-                  <a14:hiddenLine xmlns:a14="http://schemas.microsoft.com/office/drawing/2010/main" xmlns="" w="9525">
+                  <a14:hiddenLine xmlns="" xmlns:a14="http://schemas.microsoft.com/office/drawing/2010/main" w="9525">
                     <a:solidFill>
                       <a:srgbClr val="000000"/>
                     </a:solidFill>
@@ -10377,7 +10377,7 @@
               </a:ln>
               <a:extLst>
                 <a:ext uri="{91240B29-F687-4f45-9708-019B960494DF}">
-                  <a14:hiddenLine xmlns:a14="http://schemas.microsoft.com/office/drawing/2010/main" xmlns="" w="9525">
+                  <a14:hiddenLine xmlns="" xmlns:a14="http://schemas.microsoft.com/office/drawing/2010/main" w="9525">
                     <a:solidFill>
                       <a:srgbClr val="000000"/>
                     </a:solidFill>
@@ -10411,7 +10411,7 @@
               </a:ln>
               <a:extLst>
                 <a:ext uri="{91240B29-F687-4f45-9708-019B960494DF}">
-                  <a14:hiddenLine xmlns:a14="http://schemas.microsoft.com/office/drawing/2010/main" xmlns="" w="9525">
+                  <a14:hiddenLine xmlns="" xmlns:a14="http://schemas.microsoft.com/office/drawing/2010/main" w="9525">
                     <a:solidFill>
                       <a:srgbClr val="000000"/>
                     </a:solidFill>
@@ -10476,7 +10476,7 @@
               </a:ln>
               <a:extLst>
                 <a:ext uri="{91240B29-F687-4f45-9708-019B960494DF}">
-                  <a14:hiddenLine xmlns:a14="http://schemas.microsoft.com/office/drawing/2010/main" xmlns="" w="9525">
+                  <a14:hiddenLine xmlns="" xmlns:a14="http://schemas.microsoft.com/office/drawing/2010/main" w="9525">
                     <a:solidFill>
                       <a:srgbClr val="000000"/>
                     </a:solidFill>
@@ -10566,7 +10566,7 @@
               </a:ln>
               <a:extLst>
                 <a:ext uri="{91240B29-F687-4f45-9708-019B960494DF}">
-                  <a14:hiddenLine xmlns:a14="http://schemas.microsoft.com/office/drawing/2010/main" xmlns="" w="9525">
+                  <a14:hiddenLine xmlns="" xmlns:a14="http://schemas.microsoft.com/office/drawing/2010/main" w="9525">
                     <a:solidFill>
                       <a:srgbClr val="000000"/>
                     </a:solidFill>
@@ -10628,7 +10628,7 @@
               </a:ln>
               <a:extLst>
                 <a:ext uri="{91240B29-F687-4f45-9708-019B960494DF}">
-                  <a14:hiddenLine xmlns:a14="http://schemas.microsoft.com/office/drawing/2010/main" xmlns="" w="9525">
+                  <a14:hiddenLine xmlns="" xmlns:a14="http://schemas.microsoft.com/office/drawing/2010/main" w="9525">
                     <a:solidFill>
                       <a:srgbClr val="000000"/>
                     </a:solidFill>
@@ -10718,7 +10718,7 @@
               </a:ln>
               <a:extLst>
                 <a:ext uri="{91240B29-F687-4f45-9708-019B960494DF}">
-                  <a14:hiddenLine xmlns:a14="http://schemas.microsoft.com/office/drawing/2010/main" xmlns="" w="9525">
+                  <a14:hiddenLine xmlns="" xmlns:a14="http://schemas.microsoft.com/office/drawing/2010/main" w="9525">
                     <a:solidFill>
                       <a:srgbClr val="000000"/>
                     </a:solidFill>
@@ -10783,7 +10783,7 @@
               </a:ln>
               <a:extLst>
                 <a:ext uri="{91240B29-F687-4f45-9708-019B960494DF}">
-                  <a14:hiddenLine xmlns:a14="http://schemas.microsoft.com/office/drawing/2010/main" xmlns="" w="9525">
+                  <a14:hiddenLine xmlns="" xmlns:a14="http://schemas.microsoft.com/office/drawing/2010/main" w="9525">
                     <a:solidFill>
                       <a:srgbClr val="000000"/>
                     </a:solidFill>
@@ -10845,7 +10845,7 @@
               </a:ln>
               <a:extLst>
                 <a:ext uri="{91240B29-F687-4f45-9708-019B960494DF}">
-                  <a14:hiddenLine xmlns:a14="http://schemas.microsoft.com/office/drawing/2010/main" xmlns="" w="9525">
+                  <a14:hiddenLine xmlns="" xmlns:a14="http://schemas.microsoft.com/office/drawing/2010/main" w="9525">
                     <a:solidFill>
                       <a:srgbClr val="000000"/>
                     </a:solidFill>
@@ -10935,7 +10935,7 @@
               </a:ln>
               <a:extLst>
                 <a:ext uri="{91240B29-F687-4f45-9708-019B960494DF}">
-                  <a14:hiddenLine xmlns:a14="http://schemas.microsoft.com/office/drawing/2010/main" xmlns="" w="9525">
+                  <a14:hiddenLine xmlns="" xmlns:a14="http://schemas.microsoft.com/office/drawing/2010/main" w="9525">
                     <a:solidFill>
                       <a:srgbClr val="000000"/>
                     </a:solidFill>
@@ -11025,7 +11025,7 @@
               </a:ln>
               <a:extLst>
                 <a:ext uri="{91240B29-F687-4f45-9708-019B960494DF}">
-                  <a14:hiddenLine xmlns:a14="http://schemas.microsoft.com/office/drawing/2010/main" xmlns="" w="9525">
+                  <a14:hiddenLine xmlns="" xmlns:a14="http://schemas.microsoft.com/office/drawing/2010/main" w="9525">
                     <a:solidFill>
                       <a:srgbClr val="000000"/>
                     </a:solidFill>
@@ -11090,7 +11090,7 @@
               </a:ln>
               <a:extLst>
                 <a:ext uri="{91240B29-F687-4f45-9708-019B960494DF}">
-                  <a14:hiddenLine xmlns:a14="http://schemas.microsoft.com/office/drawing/2010/main" xmlns="" w="9525">
+                  <a14:hiddenLine xmlns="" xmlns:a14="http://schemas.microsoft.com/office/drawing/2010/main" w="9525">
                     <a:solidFill>
                       <a:srgbClr val="000000"/>
                     </a:solidFill>
@@ -11210,7 +11210,7 @@
               </a:ln>
               <a:extLst>
                 <a:ext uri="{91240B29-F687-4f45-9708-019B960494DF}">
-                  <a14:hiddenLine xmlns:a14="http://schemas.microsoft.com/office/drawing/2010/main" xmlns="" w="9525">
+                  <a14:hiddenLine xmlns="" xmlns:a14="http://schemas.microsoft.com/office/drawing/2010/main" w="9525">
                     <a:solidFill>
                       <a:srgbClr val="000000"/>
                     </a:solidFill>
@@ -11308,7 +11308,7 @@
               </a:ln>
               <a:extLst>
                 <a:ext uri="{91240B29-F687-4f45-9708-019B960494DF}">
-                  <a14:hiddenLine xmlns:a14="http://schemas.microsoft.com/office/drawing/2010/main" xmlns="" w="9525">
+                  <a14:hiddenLine xmlns="" xmlns:a14="http://schemas.microsoft.com/office/drawing/2010/main" w="9525">
                     <a:solidFill>
                       <a:srgbClr val="000000"/>
                     </a:solidFill>
@@ -11423,7 +11423,7 @@
               </a:ln>
               <a:extLst>
                 <a:ext uri="{91240B29-F687-4f45-9708-019B960494DF}">
-                  <a14:hiddenLine xmlns:a14="http://schemas.microsoft.com/office/drawing/2010/main" xmlns="" w="9525">
+                  <a14:hiddenLine xmlns="" xmlns:a14="http://schemas.microsoft.com/office/drawing/2010/main" w="9525">
                     <a:solidFill>
                       <a:srgbClr val="000000"/>
                     </a:solidFill>
@@ -11513,7 +11513,7 @@
               </a:ln>
               <a:extLst>
                 <a:ext uri="{91240B29-F687-4f45-9708-019B960494DF}">
-                  <a14:hiddenLine xmlns:a14="http://schemas.microsoft.com/office/drawing/2010/main" xmlns="" w="9525">
+                  <a14:hiddenLine xmlns="" xmlns:a14="http://schemas.microsoft.com/office/drawing/2010/main" w="9525">
                     <a:solidFill>
                       <a:srgbClr val="000000"/>
                     </a:solidFill>
@@ -11578,7 +11578,7 @@
               </a:ln>
               <a:extLst>
                 <a:ext uri="{91240B29-F687-4f45-9708-019B960494DF}">
-                  <a14:hiddenLine xmlns:a14="http://schemas.microsoft.com/office/drawing/2010/main" xmlns="" w="9525">
+                  <a14:hiddenLine xmlns="" xmlns:a14="http://schemas.microsoft.com/office/drawing/2010/main" w="9525">
                     <a:solidFill>
                       <a:srgbClr val="000000"/>
                     </a:solidFill>
@@ -11668,7 +11668,7 @@
               </a:ln>
               <a:extLst>
                 <a:ext uri="{91240B29-F687-4f45-9708-019B960494DF}">
-                  <a14:hiddenLine xmlns:a14="http://schemas.microsoft.com/office/drawing/2010/main" xmlns="" w="9525">
+                  <a14:hiddenLine xmlns="" xmlns:a14="http://schemas.microsoft.com/office/drawing/2010/main" w="9525">
                     <a:solidFill>
                       <a:srgbClr val="000000"/>
                     </a:solidFill>
@@ -11736,7 +11736,7 @@
               </a:ln>
               <a:extLst>
                 <a:ext uri="{91240B29-F687-4f45-9708-019B960494DF}">
-                  <a14:hiddenLine xmlns:a14="http://schemas.microsoft.com/office/drawing/2010/main" xmlns="" w="9525">
+                  <a14:hiddenLine xmlns="" xmlns:a14="http://schemas.microsoft.com/office/drawing/2010/main" w="9525">
                     <a:solidFill>
                       <a:srgbClr val="000000"/>
                     </a:solidFill>
@@ -11826,7 +11826,7 @@
               </a:ln>
               <a:extLst>
                 <a:ext uri="{91240B29-F687-4f45-9708-019B960494DF}">
-                  <a14:hiddenLine xmlns:a14="http://schemas.microsoft.com/office/drawing/2010/main" xmlns="" w="9525">
+                  <a14:hiddenLine xmlns="" xmlns:a14="http://schemas.microsoft.com/office/drawing/2010/main" w="9525">
                     <a:solidFill>
                       <a:srgbClr val="000000"/>
                     </a:solidFill>
@@ -11894,7 +11894,7 @@
               </a:ln>
               <a:extLst>
                 <a:ext uri="{91240B29-F687-4f45-9708-019B960494DF}">
-                  <a14:hiddenLine xmlns:a14="http://schemas.microsoft.com/office/drawing/2010/main" xmlns="" w="9525">
+                  <a14:hiddenLine xmlns="" xmlns:a14="http://schemas.microsoft.com/office/drawing/2010/main" w="9525">
                     <a:solidFill>
                       <a:srgbClr val="000000"/>
                     </a:solidFill>
@@ -11984,7 +11984,7 @@
               </a:ln>
               <a:extLst>
                 <a:ext uri="{91240B29-F687-4f45-9708-019B960494DF}">
-                  <a14:hiddenLine xmlns:a14="http://schemas.microsoft.com/office/drawing/2010/main" xmlns="" w="9525">
+                  <a14:hiddenLine xmlns="" xmlns:a14="http://schemas.microsoft.com/office/drawing/2010/main" w="9525">
                     <a:solidFill>
                       <a:srgbClr val="000000"/>
                     </a:solidFill>
@@ -12018,7 +12018,7 @@
               </a:ln>
               <a:extLst>
                 <a:ext uri="{91240B29-F687-4f45-9708-019B960494DF}">
-                  <a14:hiddenLine xmlns:a14="http://schemas.microsoft.com/office/drawing/2010/main" xmlns="" w="9525">
+                  <a14:hiddenLine xmlns="" xmlns:a14="http://schemas.microsoft.com/office/drawing/2010/main" w="9525">
                     <a:solidFill>
                       <a:srgbClr val="000000"/>
                     </a:solidFill>
@@ -12644,26 +12644,6 @@
             </a:r>
             <a:endParaRPr lang="ru-RU" sz="2400" smtClean="0"/>
           </a:p>
-          <a:p>
-            <a:pPr algn="r"/>
-            <a:r>
-              <a:rPr lang="ru-RU" sz="2400" smtClean="0"/>
-              <a:t>Преподаватель: Тяжелкова Т</a:t>
-            </a:r>
-            <a:r>
-              <a:rPr lang="en-US" sz="2400" smtClean="0"/>
-              <a:t>.</a:t>
-            </a:r>
-            <a:r>
-              <a:rPr lang="ru-RU" sz="2400" smtClean="0"/>
-              <a:t>Г</a:t>
-            </a:r>
-            <a:r>
-              <a:rPr lang="en-US" sz="2400" smtClean="0"/>
-              <a:t>.</a:t>
-            </a:r>
-            <a:endParaRPr lang="ru-RU" sz="2400"/>
-          </a:p>
         </p:txBody>
       </p:sp>
     </p:spTree>
@@ -13422,15 +13402,7 @@
           <a:p>
             <a:r>
               <a:rPr lang="ru-RU" smtClean="0"/>
-              <a:t>Цели </a:t>
-            </a:r>
-            <a:r>
-              <a:rPr lang="ru-RU" smtClean="0"/>
-              <a:t>и </a:t>
-            </a:r>
-            <a:r>
-              <a:rPr lang="ru-RU" smtClean="0"/>
-              <a:t>актуальность </a:t>
+              <a:t>Цели и актуальность </a:t>
             </a:r>
             <a:r>
               <a:rPr lang="ru-RU"/>
